--- a/00_PROYECTO_ML/Presentacion_proyecto_00.pptx
+++ b/00_PROYECTO_ML/Presentacion_proyecto_00.pptx
@@ -153,12 +153,19 @@
   <pc:docChgLst>
     <pc:chgData name="Alfonso Nieto Garcia" userId="539fa5fee9cbe87b" providerId="LiveId" clId="{C6A153A4-5B45-46CB-80B3-A8A7CFF46C93}"/>
     <pc:docChg chg="custSel modSld">
-      <pc:chgData name="Alfonso Nieto Garcia" userId="539fa5fee9cbe87b" providerId="LiveId" clId="{C6A153A4-5B45-46CB-80B3-A8A7CFF46C93}" dt="2024-07-19T10:17:50.418" v="39" actId="20577"/>
+      <pc:chgData name="Alfonso Nieto Garcia" userId="539fa5fee9cbe87b" providerId="LiveId" clId="{C6A153A4-5B45-46CB-80B3-A8A7CFF46C93}" dt="2024-07-19T18:59:49.439" v="315" actId="115"/>
       <pc:docMkLst>
         <pc:docMk/>
       </pc:docMkLst>
+      <pc:sldChg chg="modNotesTx">
+        <pc:chgData name="Alfonso Nieto Garcia" userId="539fa5fee9cbe87b" providerId="LiveId" clId="{C6A153A4-5B45-46CB-80B3-A8A7CFF46C93}" dt="2024-07-19T16:20:40.322" v="277" actId="20577"/>
+        <pc:sldMkLst>
+          <pc:docMk/>
+          <pc:sldMk cId="1617733534" sldId="264"/>
+        </pc:sldMkLst>
+      </pc:sldChg>
       <pc:sldChg chg="modSp mod">
-        <pc:chgData name="Alfonso Nieto Garcia" userId="539fa5fee9cbe87b" providerId="LiveId" clId="{C6A153A4-5B45-46CB-80B3-A8A7CFF46C93}" dt="2024-07-19T10:16:07.851" v="10" actId="1076"/>
+        <pc:chgData name="Alfonso Nieto Garcia" userId="539fa5fee9cbe87b" providerId="LiveId" clId="{C6A153A4-5B45-46CB-80B3-A8A7CFF46C93}" dt="2024-07-19T18:04:50.545" v="303" actId="20577"/>
         <pc:sldMkLst>
           <pc:docMk/>
           <pc:sldMk cId="2096756271" sldId="278"/>
@@ -172,7 +179,7 @@
           </ac:spMkLst>
         </pc:spChg>
         <pc:spChg chg="mod">
-          <ac:chgData name="Alfonso Nieto Garcia" userId="539fa5fee9cbe87b" providerId="LiveId" clId="{C6A153A4-5B45-46CB-80B3-A8A7CFF46C93}" dt="2024-07-19T10:15:54.137" v="8" actId="1076"/>
+          <ac:chgData name="Alfonso Nieto Garcia" userId="539fa5fee9cbe87b" providerId="LiveId" clId="{C6A153A4-5B45-46CB-80B3-A8A7CFF46C93}" dt="2024-07-19T18:04:50.545" v="303" actId="20577"/>
           <ac:spMkLst>
             <pc:docMk/>
             <pc:sldMk cId="2096756271" sldId="278"/>
@@ -205,6 +212,21 @@
         </pc:picChg>
       </pc:sldChg>
       <pc:sldChg chg="modSp mod">
+        <pc:chgData name="Alfonso Nieto Garcia" userId="539fa5fee9cbe87b" providerId="LiveId" clId="{C6A153A4-5B45-46CB-80B3-A8A7CFF46C93}" dt="2024-07-19T15:07:29.522" v="44" actId="20577"/>
+        <pc:sldMkLst>
+          <pc:docMk/>
+          <pc:sldMk cId="2263215859" sldId="280"/>
+        </pc:sldMkLst>
+        <pc:graphicFrameChg chg="modGraphic">
+          <ac:chgData name="Alfonso Nieto Garcia" userId="539fa5fee9cbe87b" providerId="LiveId" clId="{C6A153A4-5B45-46CB-80B3-A8A7CFF46C93}" dt="2024-07-19T15:07:29.522" v="44" actId="20577"/>
+          <ac:graphicFrameMkLst>
+            <pc:docMk/>
+            <pc:sldMk cId="2263215859" sldId="280"/>
+            <ac:graphicFrameMk id="13" creationId="{1D6AB21B-0AB3-44DD-AD8E-D2EDD77DEA42}"/>
+          </ac:graphicFrameMkLst>
+        </pc:graphicFrameChg>
+      </pc:sldChg>
+      <pc:sldChg chg="modSp mod">
         <pc:chgData name="Alfonso Nieto Garcia" userId="539fa5fee9cbe87b" providerId="LiveId" clId="{C6A153A4-5B45-46CB-80B3-A8A7CFF46C93}" dt="2024-07-19T10:15:17.170" v="2" actId="20577"/>
         <pc:sldMkLst>
           <pc:docMk/>
@@ -220,17 +242,33 @@
         </pc:spChg>
       </pc:sldChg>
       <pc:sldChg chg="modSp mod">
-        <pc:chgData name="Alfonso Nieto Garcia" userId="539fa5fee9cbe87b" providerId="LiveId" clId="{C6A153A4-5B45-46CB-80B3-A8A7CFF46C93}" dt="2024-07-19T10:16:36.798" v="13" actId="20577"/>
+        <pc:chgData name="Alfonso Nieto Garcia" userId="539fa5fee9cbe87b" providerId="LiveId" clId="{C6A153A4-5B45-46CB-80B3-A8A7CFF46C93}" dt="2024-07-19T18:59:49.439" v="315" actId="115"/>
         <pc:sldMkLst>
           <pc:docMk/>
           <pc:sldMk cId="3423121862" sldId="299"/>
         </pc:sldMkLst>
+        <pc:spChg chg="mod">
+          <ac:chgData name="Alfonso Nieto Garcia" userId="539fa5fee9cbe87b" providerId="LiveId" clId="{C6A153A4-5B45-46CB-80B3-A8A7CFF46C93}" dt="2024-07-19T18:59:49.439" v="315" actId="115"/>
+          <ac:spMkLst>
+            <pc:docMk/>
+            <pc:sldMk cId="3423121862" sldId="299"/>
+            <ac:spMk id="6" creationId="{7F009843-AFA3-44E8-B7D5-3F39B363C92E}"/>
+          </ac:spMkLst>
+        </pc:spChg>
         <pc:spChg chg="mod">
           <ac:chgData name="Alfonso Nieto Garcia" userId="539fa5fee9cbe87b" providerId="LiveId" clId="{C6A153A4-5B45-46CB-80B3-A8A7CFF46C93}" dt="2024-07-19T10:16:36.798" v="13" actId="20577"/>
           <ac:spMkLst>
             <pc:docMk/>
             <pc:sldMk cId="3423121862" sldId="299"/>
             <ac:spMk id="21" creationId="{89269C65-C80B-58BB-29C6-A3BAE1AAA333}"/>
+          </ac:spMkLst>
+        </pc:spChg>
+        <pc:spChg chg="mod">
+          <ac:chgData name="Alfonso Nieto Garcia" userId="539fa5fee9cbe87b" providerId="LiveId" clId="{C6A153A4-5B45-46CB-80B3-A8A7CFF46C93}" dt="2024-07-19T18:59:42.946" v="314" actId="20577"/>
+          <ac:spMkLst>
+            <pc:docMk/>
+            <pc:sldMk cId="3423121862" sldId="299"/>
+            <ac:spMk id="28" creationId="{D281ECF1-111F-BC05-36C6-659FB1780DCD}"/>
           </ac:spMkLst>
         </pc:spChg>
       </pc:sldChg>
@@ -1469,8 +1507,24 @@
           <a:bodyPr rtlCol="0"/>
           <a:lstStyle/>
           <a:p>
-            <a:pPr rtl="0"/>
-            <a:endParaRPr lang="es-ES" dirty="0"/>
+            <a:pPr marL="171450" indent="-171450" rtl="0">
+              <a:buFontTx/>
+              <a:buChar char="-"/>
+            </a:pPr>
+            <a:r>
+              <a:rPr lang="es-ES" dirty="0"/>
+              <a:t>True Positive: proporción de Verdaderos positivos que son identificados correctamente por el modelo</a:t>
+            </a:r>
+          </a:p>
+          <a:p>
+            <a:pPr marL="171450" indent="-171450" rtl="0">
+              <a:buFontTx/>
+              <a:buChar char="-"/>
+            </a:pPr>
+            <a:r>
+              <a:rPr lang="es-ES" dirty="0"/>
+              <a:t>False positive: proporción los casos predichos verdaderos que finalmente no lo fueron.</a:t>
+            </a:r>
           </a:p>
         </p:txBody>
       </p:sp>
@@ -8677,7 +8731,7 @@
         </p:spPr>
         <p:txBody>
           <a:bodyPr rtlCol="0">
-            <a:normAutofit/>
+            <a:normAutofit fontScale="77500" lnSpcReduction="20000"/>
           </a:bodyPr>
           <a:lstStyle/>
           <a:p>
@@ -8696,7 +8750,7 @@
                 </a:solidFill>
                 <a:latin typeface="+mj-lt"/>
               </a:rPr>
-              <a:t>Modelo de predictivo</a:t>
+              <a:t>Modelo predictivo captación clientes.</a:t>
             </a:r>
           </a:p>
         </p:txBody>
@@ -9118,7 +9172,7 @@
             <p:ph sz="half" idx="4294967295"/>
             <p:extLst>
               <p:ext uri="{D42A27DB-BD31-4B8C-83A1-F6EECF244321}">
-                <p14:modId xmlns:p14="http://schemas.microsoft.com/office/powerpoint/2010/main" val="1614332149"/>
+                <p14:modId xmlns:p14="http://schemas.microsoft.com/office/powerpoint/2010/main" val="3474462298"/>
               </p:ext>
             </p:extLst>
           </p:nvPr>
@@ -9226,7 +9280,7 @@
                             <a:schemeClr val="accent1"/>
                           </a:solidFill>
                         </a:rPr>
-                        <a:t>Datos</a:t>
+                        <a:t>Filas</a:t>
                       </a:r>
                       <a:endParaRPr lang="es" sz="2000" b="1" noProof="0" dirty="0">
                         <a:solidFill>
@@ -13093,7 +13147,7 @@
           <a:lstStyle/>
           <a:p>
             <a:pPr rtl="0"/>
-            <a:endParaRPr lang="es-ES" dirty="0"/>
+            <a:endParaRPr lang="es-ES" u="sng" dirty="0"/>
           </a:p>
         </p:txBody>
       </p:sp>
@@ -14341,7 +14395,7 @@
                   </a:schemeClr>
                 </a:solidFill>
               </a:rPr>
-              <a:t>Maximizando los costes: </a:t>
+              <a:t>Minimizando los costes: </a:t>
             </a:r>
             <a:r>
               <a:rPr lang="es-ES" sz="1800" b="1" dirty="0">
@@ -15918,23 +15972,6 @@
 </file>
 
 <file path=customXml/item1.xml><?xml version="1.0" encoding="utf-8"?>
-<?mso-contentType ?>
-<FormTemplates xmlns="http://schemas.microsoft.com/sharepoint/v3/contenttype/forms">
-  <Display>DocumentLibraryForm</Display>
-  <Edit>DocumentLibraryForm</Edit>
-  <New>DocumentLibraryForm</New>
-</FormTemplates>
-</file>
-
-<file path=customXml/item2.xml><?xml version="1.0" encoding="utf-8"?>
-<p:properties xmlns:p="http://schemas.microsoft.com/office/2006/metadata/properties" xmlns:xsi="http://www.w3.org/2001/XMLSchema-instance" xmlns:pc="http://schemas.microsoft.com/office/infopath/2007/PartnerControls">
-  <documentManagement>
-    <MediaServiceKeyPoints xmlns="71af3243-3dd4-4a8d-8c0d-dd76da1f02a5" xsi:nil="true"/>
-  </documentManagement>
-</p:properties>
-</file>
-
-<file path=customXml/item3.xml><?xml version="1.0" encoding="utf-8"?>
 <ct:contentTypeSchema xmlns:ct="http://schemas.microsoft.com/office/2006/metadata/contentType" xmlns:ma="http://schemas.microsoft.com/office/2006/metadata/properties/metaAttributes" ct:_="" ma:_="" ma:contentTypeName="Document" ma:contentTypeID="0x01010079F111ED35F8CC479449609E8A0923A6" ma:contentTypeVersion="11" ma:contentTypeDescription="Create a new document." ma:contentTypeScope="" ma:versionID="9677210f24a1be23c92c90fd886aa0aa">
   <xsd:schema xmlns:xsd="http://www.w3.org/2001/XMLSchema" xmlns:xs="http://www.w3.org/2001/XMLSchema" xmlns:p="http://schemas.microsoft.com/office/2006/metadata/properties" xmlns:ns2="71af3243-3dd4-4a8d-8c0d-dd76da1f02a5" xmlns:ns3="16c05727-aa75-4e4a-9b5f-8a80a1165891" targetNamespace="http://schemas.microsoft.com/office/2006/metadata/properties" ma:root="true" ma:fieldsID="60e05723c5c1908df1a1a4ebf11d344e" ns2:_="" ns3:_="">
     <xsd:import namespace="71af3243-3dd4-4a8d-8c0d-dd76da1f02a5"/>
@@ -16145,25 +16182,24 @@
 </ct:contentTypeSchema>
 </file>
 
-<file path=customXml/itemProps1.xml><?xml version="1.0" encoding="utf-8"?>
-<ds:datastoreItem xmlns:ds="http://schemas.openxmlformats.org/officeDocument/2006/customXml" ds:itemID="{A2DDA16B-F3AC-4A5B-9F5F-6F5A8F47A9E6}">
-  <ds:schemaRefs>
-    <ds:schemaRef ds:uri="http://schemas.microsoft.com/sharepoint/v3/contenttype/forms"/>
-  </ds:schemaRefs>
-</ds:datastoreItem>
+<file path=customXml/item2.xml><?xml version="1.0" encoding="utf-8"?>
+<p:properties xmlns:p="http://schemas.microsoft.com/office/2006/metadata/properties" xmlns:xsi="http://www.w3.org/2001/XMLSchema-instance" xmlns:pc="http://schemas.microsoft.com/office/infopath/2007/PartnerControls">
+  <documentManagement>
+    <MediaServiceKeyPoints xmlns="71af3243-3dd4-4a8d-8c0d-dd76da1f02a5" xsi:nil="true"/>
+  </documentManagement>
+</p:properties>
 </file>
 
-<file path=customXml/itemProps2.xml><?xml version="1.0" encoding="utf-8"?>
-<ds:datastoreItem xmlns:ds="http://schemas.openxmlformats.org/officeDocument/2006/customXml" ds:itemID="{3C118CE8-9293-4220-BA3B-5D353B13ABC9}">
-  <ds:schemaRefs>
-    <ds:schemaRef ds:uri="http://schemas.microsoft.com/office/2006/metadata/properties"/>
-    <ds:schemaRef ds:uri="http://schemas.microsoft.com/office/infopath/2007/PartnerControls"/>
-    <ds:schemaRef ds:uri="71af3243-3dd4-4a8d-8c0d-dd76da1f02a5"/>
-  </ds:schemaRefs>
-</ds:datastoreItem>
+<file path=customXml/item3.xml><?xml version="1.0" encoding="utf-8"?>
+<?mso-contentType ?>
+<FormTemplates xmlns="http://schemas.microsoft.com/sharepoint/v3/contenttype/forms">
+  <Display>DocumentLibraryForm</Display>
+  <Edit>DocumentLibraryForm</Edit>
+  <New>DocumentLibraryForm</New>
+</FormTemplates>
 </file>
 
-<file path=customXml/itemProps3.xml><?xml version="1.0" encoding="utf-8"?>
+<file path=customXml/itemProps1.xml><?xml version="1.0" encoding="utf-8"?>
 <ds:datastoreItem xmlns:ds="http://schemas.openxmlformats.org/officeDocument/2006/customXml" ds:itemID="{A426FE2C-7640-4BF0-9D68-FDFD4151FD5B}">
   <ds:schemaRefs>
     <ds:schemaRef ds:uri="http://schemas.microsoft.com/office/2006/metadata/contentType"/>
@@ -16180,4 +16216,22 @@
     <ds:schemaRef ds:uri="http://schemas.microsoft.com/internal/obd"/>
   </ds:schemaRefs>
 </ds:datastoreItem>
+</file>
+
+<file path=customXml/itemProps2.xml><?xml version="1.0" encoding="utf-8"?>
+<ds:datastoreItem xmlns:ds="http://schemas.openxmlformats.org/officeDocument/2006/customXml" ds:itemID="{3C118CE8-9293-4220-BA3B-5D353B13ABC9}">
+  <ds:schemaRefs>
+    <ds:schemaRef ds:uri="http://schemas.microsoft.com/office/2006/metadata/properties"/>
+    <ds:schemaRef ds:uri="http://schemas.microsoft.com/office/infopath/2007/PartnerControls"/>
+    <ds:schemaRef ds:uri="71af3243-3dd4-4a8d-8c0d-dd76da1f02a5"/>
+  </ds:schemaRefs>
+</ds:datastoreItem>
+</file>
+
+<file path=customXml/itemProps3.xml><?xml version="1.0" encoding="utf-8"?>
+<ds:datastoreItem xmlns:ds="http://schemas.openxmlformats.org/officeDocument/2006/customXml" ds:itemID="{A2DDA16B-F3AC-4A5B-9F5F-6F5A8F47A9E6}">
+  <ds:schemaRefs>
+    <ds:schemaRef ds:uri="http://schemas.microsoft.com/sharepoint/v3/contenttype/forms"/>
+  </ds:schemaRefs>
+</ds:datastoreItem>
 </file>